--- a/docs/diagrams/StorageComponentClassDiagram.pptx
+++ b/docs/diagrams/StorageComponentClassDiagram.pptx
@@ -107,6 +107,22 @@
       </a:defRPr>
     </a:lvl9pPr>
   </p:defaultTextStyle>
+  <p:extLst>
+    <p:ext uri="{EFAFB233-063F-42B5-8137-9DF3F51BA10A}">
+      <p15:sldGuideLst xmlns:p15="http://schemas.microsoft.com/office/powerpoint/2012/main">
+        <p15:guide id="1" orient="horz" pos="1488">
+          <p15:clr>
+            <a:srgbClr val="A4A3A4"/>
+          </p15:clr>
+        </p15:guide>
+        <p15:guide id="2" pos="2880">
+          <p15:clr>
+            <a:srgbClr val="A4A3A4"/>
+          </p15:clr>
+        </p15:guide>
+      </p15:sldGuideLst>
+    </p:ext>
+  </p:extLst>
 </p:presentation>
 </file>
 
@@ -192,7 +208,7 @@
           <a:p>
             <a:fld id="{F5CC4B3F-88C1-4FFA-B1B6-F41C21DC6924}" type="datetimeFigureOut">
               <a:rPr lang="en-US" smtClean="0"/>
-              <a:t>10/16/2016</a:t>
+              <a:t>4/8/2018</a:t>
             </a:fld>
             <a:endParaRPr lang="en-US"/>
           </a:p>
@@ -256,38 +272,37 @@
           <a:p>
             <a:pPr lvl="0"/>
             <a:r>
-              <a:rPr lang="en-US" smtClean="0"/>
+              <a:rPr lang="en-US"/>
               <a:t>Click to edit Master text styles</a:t>
             </a:r>
           </a:p>
           <a:p>
             <a:pPr lvl="1"/>
             <a:r>
-              <a:rPr lang="en-US" smtClean="0"/>
+              <a:rPr lang="en-US"/>
               <a:t>Second level</a:t>
             </a:r>
           </a:p>
           <a:p>
             <a:pPr lvl="2"/>
             <a:r>
-              <a:rPr lang="en-US" smtClean="0"/>
+              <a:rPr lang="en-US"/>
               <a:t>Third level</a:t>
             </a:r>
           </a:p>
           <a:p>
             <a:pPr lvl="3"/>
             <a:r>
-              <a:rPr lang="en-US" smtClean="0"/>
+              <a:rPr lang="en-US"/>
               <a:t>Fourth level</a:t>
             </a:r>
           </a:p>
           <a:p>
             <a:pPr lvl="4"/>
             <a:r>
-              <a:rPr lang="en-US" smtClean="0"/>
+              <a:rPr lang="en-US"/>
               <a:t>Fifth level</a:t>
             </a:r>
-            <a:endParaRPr lang="en-US"/>
           </a:p>
         </p:txBody>
       </p:sp>
@@ -498,10 +513,9 @@
           <a:lstStyle/>
           <a:p>
             <a:r>
-              <a:rPr lang="en-US" smtClean="0"/>
+              <a:rPr lang="en-US"/>
               <a:t>Click to edit Master title style</a:t>
             </a:r>
-            <a:endParaRPr lang="en-US"/>
           </a:p>
         </p:txBody>
       </p:sp>
@@ -617,10 +631,9 @@
           </a:lstStyle>
           <a:p>
             <a:r>
-              <a:rPr lang="en-US" smtClean="0"/>
+              <a:rPr lang="en-US"/>
               <a:t>Click to edit Master subtitle style</a:t>
             </a:r>
-            <a:endParaRPr lang="en-US"/>
           </a:p>
         </p:txBody>
       </p:sp>
@@ -641,7 +654,7 @@
           <a:p>
             <a:fld id="{78C97017-6FC3-485B-9764-EAC9E56C1D49}" type="datetimeFigureOut">
               <a:rPr lang="en-US" smtClean="0"/>
-              <a:t>10/16/2016</a:t>
+              <a:t>4/8/2018</a:t>
             </a:fld>
             <a:endParaRPr lang="en-US"/>
           </a:p>
@@ -735,10 +748,9 @@
           <a:lstStyle/>
           <a:p>
             <a:r>
-              <a:rPr lang="en-US" smtClean="0"/>
+              <a:rPr lang="en-US"/>
               <a:t>Click to edit Master title style</a:t>
             </a:r>
-            <a:endParaRPr lang="en-US"/>
           </a:p>
         </p:txBody>
       </p:sp>
@@ -759,38 +771,37 @@
           <a:p>
             <a:pPr lvl="0"/>
             <a:r>
-              <a:rPr lang="en-US" smtClean="0"/>
+              <a:rPr lang="en-US"/>
               <a:t>Click to edit Master text styles</a:t>
             </a:r>
           </a:p>
           <a:p>
             <a:pPr lvl="1"/>
             <a:r>
-              <a:rPr lang="en-US" smtClean="0"/>
+              <a:rPr lang="en-US"/>
               <a:t>Second level</a:t>
             </a:r>
           </a:p>
           <a:p>
             <a:pPr lvl="2"/>
             <a:r>
-              <a:rPr lang="en-US" smtClean="0"/>
+              <a:rPr lang="en-US"/>
               <a:t>Third level</a:t>
             </a:r>
           </a:p>
           <a:p>
             <a:pPr lvl="3"/>
             <a:r>
-              <a:rPr lang="en-US" smtClean="0"/>
+              <a:rPr lang="en-US"/>
               <a:t>Fourth level</a:t>
             </a:r>
           </a:p>
           <a:p>
             <a:pPr lvl="4"/>
             <a:r>
-              <a:rPr lang="en-US" smtClean="0"/>
+              <a:rPr lang="en-US"/>
               <a:t>Fifth level</a:t>
             </a:r>
-            <a:endParaRPr lang="en-US"/>
           </a:p>
         </p:txBody>
       </p:sp>
@@ -811,7 +822,7 @@
           <a:p>
             <a:fld id="{78C97017-6FC3-485B-9764-EAC9E56C1D49}" type="datetimeFigureOut">
               <a:rPr lang="en-US" smtClean="0"/>
-              <a:t>10/16/2016</a:t>
+              <a:t>4/8/2018</a:t>
             </a:fld>
             <a:endParaRPr lang="en-US"/>
           </a:p>
@@ -910,10 +921,9 @@
           <a:lstStyle/>
           <a:p>
             <a:r>
-              <a:rPr lang="en-US" smtClean="0"/>
+              <a:rPr lang="en-US"/>
               <a:t>Click to edit Master title style</a:t>
             </a:r>
-            <a:endParaRPr lang="en-US"/>
           </a:p>
         </p:txBody>
       </p:sp>
@@ -939,38 +949,37 @@
           <a:p>
             <a:pPr lvl="0"/>
             <a:r>
-              <a:rPr lang="en-US" smtClean="0"/>
+              <a:rPr lang="en-US"/>
               <a:t>Click to edit Master text styles</a:t>
             </a:r>
           </a:p>
           <a:p>
             <a:pPr lvl="1"/>
             <a:r>
-              <a:rPr lang="en-US" smtClean="0"/>
+              <a:rPr lang="en-US"/>
               <a:t>Second level</a:t>
             </a:r>
           </a:p>
           <a:p>
             <a:pPr lvl="2"/>
             <a:r>
-              <a:rPr lang="en-US" smtClean="0"/>
+              <a:rPr lang="en-US"/>
               <a:t>Third level</a:t>
             </a:r>
           </a:p>
           <a:p>
             <a:pPr lvl="3"/>
             <a:r>
-              <a:rPr lang="en-US" smtClean="0"/>
+              <a:rPr lang="en-US"/>
               <a:t>Fourth level</a:t>
             </a:r>
           </a:p>
           <a:p>
             <a:pPr lvl="4"/>
             <a:r>
-              <a:rPr lang="en-US" smtClean="0"/>
+              <a:rPr lang="en-US"/>
               <a:t>Fifth level</a:t>
             </a:r>
-            <a:endParaRPr lang="en-US"/>
           </a:p>
         </p:txBody>
       </p:sp>
@@ -991,7 +1000,7 @@
           <a:p>
             <a:fld id="{78C97017-6FC3-485B-9764-EAC9E56C1D49}" type="datetimeFigureOut">
               <a:rPr lang="en-US" smtClean="0"/>
-              <a:t>10/16/2016</a:t>
+              <a:t>4/8/2018</a:t>
             </a:fld>
             <a:endParaRPr lang="en-US"/>
           </a:p>
@@ -1085,10 +1094,9 @@
           <a:lstStyle/>
           <a:p>
             <a:r>
-              <a:rPr lang="en-US" smtClean="0"/>
+              <a:rPr lang="en-US"/>
               <a:t>Click to edit Master title style</a:t>
             </a:r>
-            <a:endParaRPr lang="en-US"/>
           </a:p>
         </p:txBody>
       </p:sp>
@@ -1109,38 +1117,37 @@
           <a:p>
             <a:pPr lvl="0"/>
             <a:r>
-              <a:rPr lang="en-US" smtClean="0"/>
+              <a:rPr lang="en-US"/>
               <a:t>Click to edit Master text styles</a:t>
             </a:r>
           </a:p>
           <a:p>
             <a:pPr lvl="1"/>
             <a:r>
-              <a:rPr lang="en-US" smtClean="0"/>
+              <a:rPr lang="en-US"/>
               <a:t>Second level</a:t>
             </a:r>
           </a:p>
           <a:p>
             <a:pPr lvl="2"/>
             <a:r>
-              <a:rPr lang="en-US" smtClean="0"/>
+              <a:rPr lang="en-US"/>
               <a:t>Third level</a:t>
             </a:r>
           </a:p>
           <a:p>
             <a:pPr lvl="3"/>
             <a:r>
-              <a:rPr lang="en-US" smtClean="0"/>
+              <a:rPr lang="en-US"/>
               <a:t>Fourth level</a:t>
             </a:r>
           </a:p>
           <a:p>
             <a:pPr lvl="4"/>
             <a:r>
-              <a:rPr lang="en-US" smtClean="0"/>
+              <a:rPr lang="en-US"/>
               <a:t>Fifth level</a:t>
             </a:r>
-            <a:endParaRPr lang="en-US"/>
           </a:p>
         </p:txBody>
       </p:sp>
@@ -1161,7 +1168,7 @@
           <a:p>
             <a:fld id="{78C97017-6FC3-485B-9764-EAC9E56C1D49}" type="datetimeFigureOut">
               <a:rPr lang="en-US" smtClean="0"/>
-              <a:t>10/16/2016</a:t>
+              <a:t>4/8/2018</a:t>
             </a:fld>
             <a:endParaRPr lang="en-US"/>
           </a:p>
@@ -1264,10 +1271,9 @@
           </a:lstStyle>
           <a:p>
             <a:r>
-              <a:rPr lang="en-US" smtClean="0"/>
+              <a:rPr lang="en-US"/>
               <a:t>Click to edit Master title style</a:t>
             </a:r>
-            <a:endParaRPr lang="en-US"/>
           </a:p>
         </p:txBody>
       </p:sp>
@@ -1384,7 +1390,7 @@
           <a:p>
             <a:pPr lvl="0"/>
             <a:r>
-              <a:rPr lang="en-US" smtClean="0"/>
+              <a:rPr lang="en-US"/>
               <a:t>Click to edit Master text styles</a:t>
             </a:r>
           </a:p>
@@ -1407,7 +1413,7 @@
           <a:p>
             <a:fld id="{78C97017-6FC3-485B-9764-EAC9E56C1D49}" type="datetimeFigureOut">
               <a:rPr lang="en-US" smtClean="0"/>
-              <a:t>10/16/2016</a:t>
+              <a:t>4/8/2018</a:t>
             </a:fld>
             <a:endParaRPr lang="en-US"/>
           </a:p>
@@ -1501,10 +1507,9 @@
           <a:lstStyle/>
           <a:p>
             <a:r>
-              <a:rPr lang="en-US" smtClean="0"/>
+              <a:rPr lang="en-US"/>
               <a:t>Click to edit Master title style</a:t>
             </a:r>
-            <a:endParaRPr lang="en-US"/>
           </a:p>
         </p:txBody>
       </p:sp>
@@ -1558,38 +1563,37 @@
           <a:p>
             <a:pPr lvl="0"/>
             <a:r>
-              <a:rPr lang="en-US" smtClean="0"/>
+              <a:rPr lang="en-US"/>
               <a:t>Click to edit Master text styles</a:t>
             </a:r>
           </a:p>
           <a:p>
             <a:pPr lvl="1"/>
             <a:r>
-              <a:rPr lang="en-US" smtClean="0"/>
+              <a:rPr lang="en-US"/>
               <a:t>Second level</a:t>
             </a:r>
           </a:p>
           <a:p>
             <a:pPr lvl="2"/>
             <a:r>
-              <a:rPr lang="en-US" smtClean="0"/>
+              <a:rPr lang="en-US"/>
               <a:t>Third level</a:t>
             </a:r>
           </a:p>
           <a:p>
             <a:pPr lvl="3"/>
             <a:r>
-              <a:rPr lang="en-US" smtClean="0"/>
+              <a:rPr lang="en-US"/>
               <a:t>Fourth level</a:t>
             </a:r>
           </a:p>
           <a:p>
             <a:pPr lvl="4"/>
             <a:r>
-              <a:rPr lang="en-US" smtClean="0"/>
+              <a:rPr lang="en-US"/>
               <a:t>Fifth level</a:t>
             </a:r>
-            <a:endParaRPr lang="en-US"/>
           </a:p>
         </p:txBody>
       </p:sp>
@@ -1643,38 +1647,37 @@
           <a:p>
             <a:pPr lvl="0"/>
             <a:r>
-              <a:rPr lang="en-US" smtClean="0"/>
+              <a:rPr lang="en-US"/>
               <a:t>Click to edit Master text styles</a:t>
             </a:r>
           </a:p>
           <a:p>
             <a:pPr lvl="1"/>
             <a:r>
-              <a:rPr lang="en-US" smtClean="0"/>
+              <a:rPr lang="en-US"/>
               <a:t>Second level</a:t>
             </a:r>
           </a:p>
           <a:p>
             <a:pPr lvl="2"/>
             <a:r>
-              <a:rPr lang="en-US" smtClean="0"/>
+              <a:rPr lang="en-US"/>
               <a:t>Third level</a:t>
             </a:r>
           </a:p>
           <a:p>
             <a:pPr lvl="3"/>
             <a:r>
-              <a:rPr lang="en-US" smtClean="0"/>
+              <a:rPr lang="en-US"/>
               <a:t>Fourth level</a:t>
             </a:r>
           </a:p>
           <a:p>
             <a:pPr lvl="4"/>
             <a:r>
-              <a:rPr lang="en-US" smtClean="0"/>
+              <a:rPr lang="en-US"/>
               <a:t>Fifth level</a:t>
             </a:r>
-            <a:endParaRPr lang="en-US"/>
           </a:p>
         </p:txBody>
       </p:sp>
@@ -1695,7 +1698,7 @@
           <a:p>
             <a:fld id="{78C97017-6FC3-485B-9764-EAC9E56C1D49}" type="datetimeFigureOut">
               <a:rPr lang="en-US" smtClean="0"/>
-              <a:t>10/16/2016</a:t>
+              <a:t>4/8/2018</a:t>
             </a:fld>
             <a:endParaRPr lang="en-US"/>
           </a:p>
@@ -1793,10 +1796,9 @@
           </a:lstStyle>
           <a:p>
             <a:r>
-              <a:rPr lang="en-US" smtClean="0"/>
+              <a:rPr lang="en-US"/>
               <a:t>Click to edit Master title style</a:t>
             </a:r>
-            <a:endParaRPr lang="en-US"/>
           </a:p>
         </p:txBody>
       </p:sp>
@@ -1859,7 +1861,7 @@
           <a:p>
             <a:pPr lvl="0"/>
             <a:r>
-              <a:rPr lang="en-US" smtClean="0"/>
+              <a:rPr lang="en-US"/>
               <a:t>Click to edit Master text styles</a:t>
             </a:r>
           </a:p>
@@ -1915,38 +1917,37 @@
           <a:p>
             <a:pPr lvl="0"/>
             <a:r>
-              <a:rPr lang="en-US" smtClean="0"/>
+              <a:rPr lang="en-US"/>
               <a:t>Click to edit Master text styles</a:t>
             </a:r>
           </a:p>
           <a:p>
             <a:pPr lvl="1"/>
             <a:r>
-              <a:rPr lang="en-US" smtClean="0"/>
+              <a:rPr lang="en-US"/>
               <a:t>Second level</a:t>
             </a:r>
           </a:p>
           <a:p>
             <a:pPr lvl="2"/>
             <a:r>
-              <a:rPr lang="en-US" smtClean="0"/>
+              <a:rPr lang="en-US"/>
               <a:t>Third level</a:t>
             </a:r>
           </a:p>
           <a:p>
             <a:pPr lvl="3"/>
             <a:r>
-              <a:rPr lang="en-US" smtClean="0"/>
+              <a:rPr lang="en-US"/>
               <a:t>Fourth level</a:t>
             </a:r>
           </a:p>
           <a:p>
             <a:pPr lvl="4"/>
             <a:r>
-              <a:rPr lang="en-US" smtClean="0"/>
+              <a:rPr lang="en-US"/>
               <a:t>Fifth level</a:t>
             </a:r>
-            <a:endParaRPr lang="en-US"/>
           </a:p>
         </p:txBody>
       </p:sp>
@@ -2009,7 +2010,7 @@
           <a:p>
             <a:pPr lvl="0"/>
             <a:r>
-              <a:rPr lang="en-US" smtClean="0"/>
+              <a:rPr lang="en-US"/>
               <a:t>Click to edit Master text styles</a:t>
             </a:r>
           </a:p>
@@ -2065,38 +2066,37 @@
           <a:p>
             <a:pPr lvl="0"/>
             <a:r>
-              <a:rPr lang="en-US" smtClean="0"/>
+              <a:rPr lang="en-US"/>
               <a:t>Click to edit Master text styles</a:t>
             </a:r>
           </a:p>
           <a:p>
             <a:pPr lvl="1"/>
             <a:r>
-              <a:rPr lang="en-US" smtClean="0"/>
+              <a:rPr lang="en-US"/>
               <a:t>Second level</a:t>
             </a:r>
           </a:p>
           <a:p>
             <a:pPr lvl="2"/>
             <a:r>
-              <a:rPr lang="en-US" smtClean="0"/>
+              <a:rPr lang="en-US"/>
               <a:t>Third level</a:t>
             </a:r>
           </a:p>
           <a:p>
             <a:pPr lvl="3"/>
             <a:r>
-              <a:rPr lang="en-US" smtClean="0"/>
+              <a:rPr lang="en-US"/>
               <a:t>Fourth level</a:t>
             </a:r>
           </a:p>
           <a:p>
             <a:pPr lvl="4"/>
             <a:r>
-              <a:rPr lang="en-US" smtClean="0"/>
+              <a:rPr lang="en-US"/>
               <a:t>Fifth level</a:t>
             </a:r>
-            <a:endParaRPr lang="en-US"/>
           </a:p>
         </p:txBody>
       </p:sp>
@@ -2117,7 +2117,7 @@
           <a:p>
             <a:fld id="{78C97017-6FC3-485B-9764-EAC9E56C1D49}" type="datetimeFigureOut">
               <a:rPr lang="en-US" smtClean="0"/>
-              <a:t>10/16/2016</a:t>
+              <a:t>4/8/2018</a:t>
             </a:fld>
             <a:endParaRPr lang="en-US"/>
           </a:p>
@@ -2211,10 +2211,9 @@
           <a:lstStyle/>
           <a:p>
             <a:r>
-              <a:rPr lang="en-US" smtClean="0"/>
+              <a:rPr lang="en-US"/>
               <a:t>Click to edit Master title style</a:t>
             </a:r>
-            <a:endParaRPr lang="en-US"/>
           </a:p>
         </p:txBody>
       </p:sp>
@@ -2235,7 +2234,7 @@
           <a:p>
             <a:fld id="{78C97017-6FC3-485B-9764-EAC9E56C1D49}" type="datetimeFigureOut">
               <a:rPr lang="en-US" smtClean="0"/>
-              <a:t>10/16/2016</a:t>
+              <a:t>4/8/2018</a:t>
             </a:fld>
             <a:endParaRPr lang="en-US"/>
           </a:p>
@@ -2330,7 +2329,7 @@
           <a:p>
             <a:fld id="{78C97017-6FC3-485B-9764-EAC9E56C1D49}" type="datetimeFigureOut">
               <a:rPr lang="en-US" smtClean="0"/>
-              <a:t>10/16/2016</a:t>
+              <a:t>4/8/2018</a:t>
             </a:fld>
             <a:endParaRPr lang="en-US"/>
           </a:p>
@@ -2433,10 +2432,9 @@
           </a:lstStyle>
           <a:p>
             <a:r>
-              <a:rPr lang="en-US" smtClean="0"/>
+              <a:rPr lang="en-US"/>
               <a:t>Click to edit Master title style</a:t>
             </a:r>
-            <a:endParaRPr lang="en-US"/>
           </a:p>
         </p:txBody>
       </p:sp>
@@ -2490,38 +2488,37 @@
           <a:p>
             <a:pPr lvl="0"/>
             <a:r>
-              <a:rPr lang="en-US" smtClean="0"/>
+              <a:rPr lang="en-US"/>
               <a:t>Click to edit Master text styles</a:t>
             </a:r>
           </a:p>
           <a:p>
             <a:pPr lvl="1"/>
             <a:r>
-              <a:rPr lang="en-US" smtClean="0"/>
+              <a:rPr lang="en-US"/>
               <a:t>Second level</a:t>
             </a:r>
           </a:p>
           <a:p>
             <a:pPr lvl="2"/>
             <a:r>
-              <a:rPr lang="en-US" smtClean="0"/>
+              <a:rPr lang="en-US"/>
               <a:t>Third level</a:t>
             </a:r>
           </a:p>
           <a:p>
             <a:pPr lvl="3"/>
             <a:r>
-              <a:rPr lang="en-US" smtClean="0"/>
+              <a:rPr lang="en-US"/>
               <a:t>Fourth level</a:t>
             </a:r>
           </a:p>
           <a:p>
             <a:pPr lvl="4"/>
             <a:r>
-              <a:rPr lang="en-US" smtClean="0"/>
+              <a:rPr lang="en-US"/>
               <a:t>Fifth level</a:t>
             </a:r>
-            <a:endParaRPr lang="en-US"/>
           </a:p>
         </p:txBody>
       </p:sp>
@@ -2584,7 +2581,7 @@
           <a:p>
             <a:pPr lvl="0"/>
             <a:r>
-              <a:rPr lang="en-US" smtClean="0"/>
+              <a:rPr lang="en-US"/>
               <a:t>Click to edit Master text styles</a:t>
             </a:r>
           </a:p>
@@ -2607,7 +2604,7 @@
           <a:p>
             <a:fld id="{78C97017-6FC3-485B-9764-EAC9E56C1D49}" type="datetimeFigureOut">
               <a:rPr lang="en-US" smtClean="0"/>
-              <a:t>10/16/2016</a:t>
+              <a:t>4/8/2018</a:t>
             </a:fld>
             <a:endParaRPr lang="en-US"/>
           </a:p>
@@ -2710,10 +2707,9 @@
           </a:lstStyle>
           <a:p>
             <a:r>
-              <a:rPr lang="en-US" smtClean="0"/>
+              <a:rPr lang="en-US"/>
               <a:t>Click to edit Master title style</a:t>
             </a:r>
-            <a:endParaRPr lang="en-US"/>
           </a:p>
         </p:txBody>
       </p:sp>
@@ -2837,7 +2833,7 @@
           <a:p>
             <a:pPr lvl="0"/>
             <a:r>
-              <a:rPr lang="en-US" smtClean="0"/>
+              <a:rPr lang="en-US"/>
               <a:t>Click to edit Master text styles</a:t>
             </a:r>
           </a:p>
@@ -2860,7 +2856,7 @@
           <a:p>
             <a:fld id="{78C97017-6FC3-485B-9764-EAC9E56C1D49}" type="datetimeFigureOut">
               <a:rPr lang="en-US" smtClean="0"/>
-              <a:t>10/16/2016</a:t>
+              <a:t>4/8/2018</a:t>
             </a:fld>
             <a:endParaRPr lang="en-US"/>
           </a:p>
@@ -2969,10 +2965,9 @@
           <a:lstStyle/>
           <a:p>
             <a:r>
-              <a:rPr lang="en-US" smtClean="0"/>
+              <a:rPr lang="en-US"/>
               <a:t>Click to edit Master title style</a:t>
             </a:r>
-            <a:endParaRPr lang="en-US"/>
           </a:p>
         </p:txBody>
       </p:sp>
@@ -3003,38 +2998,37 @@
           <a:p>
             <a:pPr lvl="0"/>
             <a:r>
-              <a:rPr lang="en-US" smtClean="0"/>
+              <a:rPr lang="en-US"/>
               <a:t>Click to edit Master text styles</a:t>
             </a:r>
           </a:p>
           <a:p>
             <a:pPr lvl="1"/>
             <a:r>
-              <a:rPr lang="en-US" smtClean="0"/>
+              <a:rPr lang="en-US"/>
               <a:t>Second level</a:t>
             </a:r>
           </a:p>
           <a:p>
             <a:pPr lvl="2"/>
             <a:r>
-              <a:rPr lang="en-US" smtClean="0"/>
+              <a:rPr lang="en-US"/>
               <a:t>Third level</a:t>
             </a:r>
           </a:p>
           <a:p>
             <a:pPr lvl="3"/>
             <a:r>
-              <a:rPr lang="en-US" smtClean="0"/>
+              <a:rPr lang="en-US"/>
               <a:t>Fourth level</a:t>
             </a:r>
           </a:p>
           <a:p>
             <a:pPr lvl="4"/>
             <a:r>
-              <a:rPr lang="en-US" smtClean="0"/>
+              <a:rPr lang="en-US"/>
               <a:t>Fifth level</a:t>
             </a:r>
-            <a:endParaRPr lang="en-US"/>
           </a:p>
         </p:txBody>
       </p:sp>
@@ -3073,7 +3067,7 @@
           <a:p>
             <a:fld id="{78C97017-6FC3-485B-9764-EAC9E56C1D49}" type="datetimeFigureOut">
               <a:rPr lang="en-US" smtClean="0"/>
-              <a:t>10/16/2016</a:t>
+              <a:t>4/8/2018</a:t>
             </a:fld>
             <a:endParaRPr lang="en-US"/>
           </a:p>
@@ -3457,7 +3451,7 @@
         <p:spPr>
           <a:xfrm>
             <a:off x="1119865" y="2086382"/>
-            <a:ext cx="7871735" cy="1723618"/>
+            <a:ext cx="8176535" cy="2638018"/>
           </a:xfrm>
           <a:prstGeom prst="roundRect">
             <a:avLst>
@@ -3494,7 +3488,7 @@
           <a:lstStyle/>
           <a:p>
             <a:r>
-              <a:rPr lang="en-US" sz="1200" b="1" dirty="0" smtClean="0">
+              <a:rPr lang="en-US" sz="1200" b="1" dirty="0">
                 <a:solidFill>
                   <a:schemeClr val="accent6">
                     <a:lumMod val="75000"/>
@@ -3561,7 +3555,7 @@
           <a:p>
             <a:pPr algn="ctr"/>
             <a:r>
-              <a:rPr lang="en-US" sz="1050" dirty="0" smtClean="0">
+              <a:rPr lang="en-US" sz="1050" dirty="0">
                 <a:solidFill>
                   <a:schemeClr val="bg1"/>
                 </a:solidFill>
@@ -3569,14 +3563,14 @@
               <a:t>&lt;&lt;interface&gt;&gt;</a:t>
             </a:r>
             <a:br>
-              <a:rPr lang="en-US" sz="1050" dirty="0" smtClean="0">
+              <a:rPr lang="en-US" sz="1050" dirty="0">
                 <a:solidFill>
                   <a:schemeClr val="bg1"/>
                 </a:solidFill>
               </a:rPr>
             </a:br>
             <a:r>
-              <a:rPr lang="en-US" sz="1050" dirty="0" err="1" smtClean="0">
+              <a:rPr lang="en-US" sz="1050" dirty="0" err="1">
                 <a:solidFill>
                   <a:schemeClr val="bg1"/>
                 </a:solidFill>
@@ -3639,7 +3633,7 @@
           <a:p>
             <a:pPr algn="ctr"/>
             <a:r>
-              <a:rPr lang="en-US" sz="1050" dirty="0" err="1" smtClean="0">
+              <a:rPr lang="en-US" sz="1050" dirty="0" err="1">
                 <a:solidFill>
                   <a:schemeClr val="bg1"/>
                 </a:solidFill>
@@ -3713,7 +3707,7 @@
           <a:p>
             <a:pPr algn="ctr"/>
             <a:r>
-              <a:rPr lang="en-US" sz="1050" dirty="0" smtClean="0">
+              <a:rPr lang="en-US" sz="1050" dirty="0">
                 <a:solidFill>
                   <a:schemeClr val="bg1"/>
                 </a:solidFill>
@@ -4147,7 +4141,7 @@
           <a:p>
             <a:pPr algn="ctr"/>
             <a:r>
-              <a:rPr lang="en-US" sz="1050" b="1" dirty="0" err="1" smtClean="0">
+              <a:rPr lang="en-US" sz="1050" b="1" dirty="0" err="1">
                 <a:solidFill>
                   <a:schemeClr val="accent6">
                     <a:lumMod val="75000"/>
@@ -4156,18 +4150,8 @@
               </a:rPr>
               <a:t>XmlAddressBook</a:t>
             </a:r>
-            <a:r>
-              <a:rPr lang="en-US" sz="1050" b="1" dirty="0" smtClean="0">
-                <a:solidFill>
-                  <a:schemeClr val="accent6">
-                    <a:lumMod val="75000"/>
-                  </a:schemeClr>
-                </a:solidFill>
-              </a:rPr>
-              <a:t/>
-            </a:r>
             <a:br>
-              <a:rPr lang="en-US" sz="1050" b="1" dirty="0" smtClean="0">
+              <a:rPr lang="en-US" sz="1050" b="1" dirty="0">
                 <a:solidFill>
                   <a:schemeClr val="accent6">
                     <a:lumMod val="75000"/>
@@ -4176,7 +4160,7 @@
               </a:rPr>
             </a:br>
             <a:r>
-              <a:rPr lang="en-US" sz="1050" b="1" dirty="0" smtClean="0">
+              <a:rPr lang="en-US" sz="1050" b="1" dirty="0">
                 <a:solidFill>
                   <a:schemeClr val="accent6">
                     <a:lumMod val="75000"/>
@@ -4243,7 +4227,7 @@
           <a:p>
             <a:pPr algn="ctr"/>
             <a:r>
-              <a:rPr lang="en-US" sz="1050" dirty="0" smtClean="0">
+              <a:rPr lang="en-US" sz="1050" dirty="0">
                 <a:solidFill>
                   <a:schemeClr val="bg1"/>
                 </a:solidFill>
@@ -4251,14 +4235,14 @@
               <a:t>&lt;&lt;interface&gt;&gt;</a:t>
             </a:r>
             <a:br>
-              <a:rPr lang="en-US" sz="1050" dirty="0" smtClean="0">
+              <a:rPr lang="en-US" sz="1050" dirty="0">
                 <a:solidFill>
                   <a:schemeClr val="bg1"/>
                 </a:solidFill>
               </a:rPr>
             </a:br>
             <a:r>
-              <a:rPr lang="en-US" sz="1050" dirty="0" err="1" smtClean="0">
+              <a:rPr lang="en-US" sz="1050" dirty="0" err="1">
                 <a:solidFill>
                   <a:schemeClr val="bg1"/>
                 </a:solidFill>
@@ -4516,30 +4500,22 @@
           <a:p>
             <a:pPr algn="ctr"/>
             <a:r>
-              <a:rPr lang="en-US" sz="1050" dirty="0" err="1" smtClean="0">
+              <a:rPr lang="en-US" sz="1050" dirty="0" err="1">
                 <a:solidFill>
                   <a:schemeClr val="bg1"/>
                 </a:solidFill>
               </a:rPr>
               <a:t>JsonUserPrefs</a:t>
             </a:r>
-            <a:r>
-              <a:rPr lang="en-US" sz="1050" dirty="0" smtClean="0">
-                <a:solidFill>
-                  <a:schemeClr val="bg1"/>
-                </a:solidFill>
-              </a:rPr>
-              <a:t/>
-            </a:r>
             <a:br>
-              <a:rPr lang="en-US" sz="1050" dirty="0" smtClean="0">
+              <a:rPr lang="en-US" sz="1050" dirty="0">
                 <a:solidFill>
                   <a:schemeClr val="bg1"/>
                 </a:solidFill>
               </a:rPr>
             </a:br>
             <a:r>
-              <a:rPr lang="en-US" sz="1050" dirty="0" smtClean="0">
+              <a:rPr lang="en-US" sz="1050" dirty="0">
                 <a:solidFill>
                   <a:schemeClr val="bg1"/>
                 </a:solidFill>
@@ -4591,7 +4567,7 @@
           <a:p>
             <a:pPr algn="ctr"/>
             <a:r>
-              <a:rPr lang="en-US" sz="1050" b="1" dirty="0" err="1" smtClean="0">
+              <a:rPr lang="en-US" sz="1050" b="1" dirty="0" err="1">
                 <a:solidFill>
                   <a:schemeClr val="accent6">
                     <a:lumMod val="75000"/>
@@ -4600,18 +4576,8 @@
               </a:rPr>
               <a:t>XmlSerializable</a:t>
             </a:r>
-            <a:r>
-              <a:rPr lang="en-US" sz="1050" b="1" dirty="0" smtClean="0">
-                <a:solidFill>
-                  <a:schemeClr val="accent6">
-                    <a:lumMod val="75000"/>
-                  </a:schemeClr>
-                </a:solidFill>
-              </a:rPr>
-              <a:t/>
-            </a:r>
             <a:br>
-              <a:rPr lang="en-US" sz="1050" b="1" dirty="0" smtClean="0">
+              <a:rPr lang="en-US" sz="1050" b="1" dirty="0">
                 <a:solidFill>
                   <a:schemeClr val="accent6">
                     <a:lumMod val="75000"/>
@@ -4620,7 +4586,7 @@
               </a:rPr>
             </a:br>
             <a:r>
-              <a:rPr lang="en-US" sz="1050" b="1" dirty="0" err="1" smtClean="0">
+              <a:rPr lang="en-US" sz="1050" b="1" dirty="0" err="1">
                 <a:solidFill>
                   <a:schemeClr val="accent6">
                     <a:lumMod val="75000"/>
@@ -4649,14 +4615,12 @@
           <p:nvPr/>
         </p:nvCxnSpPr>
         <p:spPr>
-          <a:xfrm rot="5400000" flipH="1" flipV="1">
-            <a:off x="8077993" y="2992020"/>
-            <a:ext cx="335208" cy="12700"/>
-          </a:xfrm>
-          <a:prstGeom prst="bentConnector3">
-            <a:avLst>
-              <a:gd name="adj1" fmla="val 50000"/>
-            </a:avLst>
+          <a:xfrm flipV="1">
+            <a:off x="8245597" y="2824416"/>
+            <a:ext cx="0" cy="335208"/>
+          </a:xfrm>
+          <a:prstGeom prst="straightConnector1">
+            <a:avLst/>
           </a:prstGeom>
           <a:ln w="19050">
             <a:prstDash val="sysDot"/>
@@ -4717,14 +4681,14 @@
           <a:p>
             <a:pPr algn="ctr"/>
             <a:r>
-              <a:rPr lang="en-US" sz="1050" b="1" dirty="0" err="1" smtClean="0">
+              <a:rPr lang="en-US" sz="1050" b="1" dirty="0" err="1">
                 <a:solidFill>
                   <a:schemeClr val="accent6">
                     <a:lumMod val="75000"/>
                   </a:schemeClr>
                 </a:solidFill>
               </a:rPr>
-              <a:t>XmlAdaptedTag</a:t>
+              <a:t>XmlAdaptedGroup</a:t>
             </a:r>
             <a:endParaRPr lang="en-SG" sz="1050" b="1" dirty="0">
               <a:solidFill>
@@ -4773,7 +4737,7 @@
           <a:p>
             <a:pPr algn="ctr"/>
             <a:r>
-              <a:rPr lang="en-US" sz="1050" b="1" dirty="0" err="1" smtClean="0">
+              <a:rPr lang="en-US" sz="1050" b="1" dirty="0" err="1">
                 <a:solidFill>
                   <a:schemeClr val="accent6">
                     <a:lumMod val="75000"/>
@@ -4805,6 +4769,742 @@
           <a:xfrm flipV="1">
             <a:off x="7220507" y="3333004"/>
             <a:ext cx="395231" cy="786"/>
+          </a:xfrm>
+          <a:prstGeom prst="bentConnector3">
+            <a:avLst>
+              <a:gd name="adj1" fmla="val 50000"/>
+            </a:avLst>
+          </a:prstGeom>
+          <a:ln w="19050">
+            <a:prstDash val="sysDot"/>
+            <a:headEnd type="none" w="med" len="med"/>
+            <a:tailEnd type="arrow" w="med" len="med"/>
+          </a:ln>
+          <a:effectLst/>
+        </p:spPr>
+        <p:style>
+          <a:lnRef idx="1">
+            <a:schemeClr val="accent6"/>
+          </a:lnRef>
+          <a:fillRef idx="2">
+            <a:schemeClr val="accent6"/>
+          </a:fillRef>
+          <a:effectRef idx="1">
+            <a:schemeClr val="accent6"/>
+          </a:effectRef>
+          <a:fontRef idx="minor">
+            <a:schemeClr val="dk1"/>
+          </a:fontRef>
+        </p:style>
+      </p:cxnSp>
+      <p:cxnSp>
+        <p:nvCxnSpPr>
+          <p:cNvPr id="26" name="Elbow Connector 122">
+            <a:extLst>
+              <a:ext uri="{FF2B5EF4-FFF2-40B4-BE49-F238E27FC236}">
+                <a16:creationId xmlns:a16="http://schemas.microsoft.com/office/drawing/2014/main" id="{1BC8A01F-0B9C-4818-9E7A-E635A9A37C00}"/>
+              </a:ext>
+            </a:extLst>
+          </p:cNvPr>
+          <p:cNvCxnSpPr>
+            <a:cxnSpLocks/>
+            <a:stCxn id="74" idx="0"/>
+            <a:endCxn id="27" idx="2"/>
+          </p:cNvCxnSpPr>
+          <p:nvPr/>
+        </p:nvCxnSpPr>
+        <p:spPr>
+          <a:xfrm rot="16200000" flipV="1">
+            <a:off x="7287070" y="2201097"/>
+            <a:ext cx="335208" cy="1581846"/>
+          </a:xfrm>
+          <a:prstGeom prst="bentConnector3">
+            <a:avLst>
+              <a:gd name="adj1" fmla="val 50000"/>
+            </a:avLst>
+          </a:prstGeom>
+          <a:ln w="19050">
+            <a:prstDash val="sysDot"/>
+            <a:headEnd type="none" w="med" len="med"/>
+            <a:tailEnd type="arrow" w="med" len="med"/>
+          </a:ln>
+          <a:effectLst/>
+        </p:spPr>
+        <p:style>
+          <a:lnRef idx="1">
+            <a:schemeClr val="accent6"/>
+          </a:lnRef>
+          <a:fillRef idx="2">
+            <a:schemeClr val="accent6"/>
+          </a:fillRef>
+          <a:effectRef idx="1">
+            <a:schemeClr val="accent6"/>
+          </a:effectRef>
+          <a:fontRef idx="minor">
+            <a:schemeClr val="dk1"/>
+          </a:fontRef>
+        </p:style>
+      </p:cxnSp>
+      <p:sp>
+        <p:nvSpPr>
+          <p:cNvPr id="27" name="Rectangle 8">
+            <a:extLst>
+              <a:ext uri="{FF2B5EF4-FFF2-40B4-BE49-F238E27FC236}">
+                <a16:creationId xmlns:a16="http://schemas.microsoft.com/office/drawing/2014/main" id="{D2ACC640-4DA5-4792-96B4-0A4C0AEE60AB}"/>
+              </a:ext>
+            </a:extLst>
+          </p:cNvPr>
+          <p:cNvSpPr/>
+          <p:nvPr/>
+        </p:nvSpPr>
+        <p:spPr>
+          <a:xfrm>
+            <a:off x="5891821" y="2477656"/>
+            <a:ext cx="1543859" cy="346760"/>
+          </a:xfrm>
+          <a:prstGeom prst="rect">
+            <a:avLst/>
+          </a:prstGeom>
+          <a:ln w="19050"/>
+          <a:effectLst/>
+        </p:spPr>
+        <p:style>
+          <a:lnRef idx="1">
+            <a:schemeClr val="accent6"/>
+          </a:lnRef>
+          <a:fillRef idx="2">
+            <a:schemeClr val="accent6"/>
+          </a:fillRef>
+          <a:effectRef idx="1">
+            <a:schemeClr val="accent6"/>
+          </a:effectRef>
+          <a:fontRef idx="minor">
+            <a:schemeClr val="dk1"/>
+          </a:fontRef>
+        </p:style>
+        <p:txBody>
+          <a:bodyPr rtlCol="0" anchor="ctr"/>
+          <a:lstStyle/>
+          <a:p>
+            <a:pPr algn="ctr"/>
+            <a:r>
+              <a:rPr lang="en-US" sz="1050" b="1" dirty="0" err="1">
+                <a:solidFill>
+                  <a:schemeClr val="accent6">
+                    <a:lumMod val="75000"/>
+                  </a:schemeClr>
+                </a:solidFill>
+              </a:rPr>
+              <a:t>XmlAdaptedPreference</a:t>
+            </a:r>
+            <a:endParaRPr lang="en-SG" sz="1050" b="1" dirty="0">
+              <a:solidFill>
+                <a:schemeClr val="accent6">
+                  <a:lumMod val="75000"/>
+                </a:schemeClr>
+              </a:solidFill>
+            </a:endParaRPr>
+          </a:p>
+        </p:txBody>
+      </p:sp>
+      <p:sp>
+        <p:nvSpPr>
+          <p:cNvPr id="30" name="Rectangle 8">
+            <a:extLst>
+              <a:ext uri="{FF2B5EF4-FFF2-40B4-BE49-F238E27FC236}">
+                <a16:creationId xmlns:a16="http://schemas.microsoft.com/office/drawing/2014/main" id="{593E59C3-DF67-4B0D-B6B5-D4DB3B9EECAD}"/>
+              </a:ext>
+            </a:extLst>
+          </p:cNvPr>
+          <p:cNvSpPr/>
+          <p:nvPr/>
+        </p:nvSpPr>
+        <p:spPr>
+          <a:xfrm>
+            <a:off x="2570267" y="3849345"/>
+            <a:ext cx="1626726" cy="488770"/>
+          </a:xfrm>
+          <a:prstGeom prst="rect">
+            <a:avLst/>
+          </a:prstGeom>
+          <a:solidFill>
+            <a:schemeClr val="accent6">
+              <a:lumMod val="75000"/>
+            </a:schemeClr>
+          </a:solidFill>
+          <a:ln w="19050">
+            <a:solidFill>
+              <a:schemeClr val="accent6">
+                <a:lumMod val="75000"/>
+              </a:schemeClr>
+            </a:solidFill>
+          </a:ln>
+          <a:effectLst/>
+        </p:spPr>
+        <p:style>
+          <a:lnRef idx="1">
+            <a:schemeClr val="accent2"/>
+          </a:lnRef>
+          <a:fillRef idx="2">
+            <a:schemeClr val="accent2"/>
+          </a:fillRef>
+          <a:effectRef idx="1">
+            <a:schemeClr val="accent2"/>
+          </a:effectRef>
+          <a:fontRef idx="minor">
+            <a:schemeClr val="dk1"/>
+          </a:fontRef>
+        </p:style>
+        <p:txBody>
+          <a:bodyPr rtlCol="0" anchor="ctr"/>
+          <a:lstStyle/>
+          <a:p>
+            <a:pPr algn="ctr"/>
+            <a:r>
+              <a:rPr lang="en-US" sz="1050" dirty="0">
+                <a:solidFill>
+                  <a:schemeClr val="bg1"/>
+                </a:solidFill>
+              </a:rPr>
+              <a:t>&lt;&lt;interface&gt;&gt;</a:t>
+            </a:r>
+            <a:br>
+              <a:rPr lang="en-US" sz="1050" dirty="0">
+                <a:solidFill>
+                  <a:schemeClr val="bg1"/>
+                </a:solidFill>
+              </a:rPr>
+            </a:br>
+            <a:r>
+              <a:rPr lang="en-US" sz="1050" dirty="0" err="1">
+                <a:solidFill>
+                  <a:schemeClr val="bg1"/>
+                </a:solidFill>
+              </a:rPr>
+              <a:t>CalendarManagerStorage</a:t>
+            </a:r>
+            <a:endParaRPr lang="en-SG" sz="1050" dirty="0">
+              <a:solidFill>
+                <a:schemeClr val="bg1"/>
+              </a:solidFill>
+            </a:endParaRPr>
+          </a:p>
+        </p:txBody>
+      </p:sp>
+      <p:cxnSp>
+        <p:nvCxnSpPr>
+          <p:cNvPr id="31" name="Straight Arrow Connector 30">
+            <a:extLst>
+              <a:ext uri="{FF2B5EF4-FFF2-40B4-BE49-F238E27FC236}">
+                <a16:creationId xmlns:a16="http://schemas.microsoft.com/office/drawing/2014/main" id="{BE9CB836-9369-47EB-8B25-5C1A86A6FBF3}"/>
+              </a:ext>
+            </a:extLst>
+          </p:cNvPr>
+          <p:cNvCxnSpPr>
+            <a:cxnSpLocks/>
+            <a:stCxn id="32" idx="3"/>
+            <a:endCxn id="30" idx="1"/>
+          </p:cNvCxnSpPr>
+          <p:nvPr/>
+        </p:nvCxnSpPr>
+        <p:spPr>
+          <a:xfrm rot="16200000" flipH="1">
+            <a:off x="2271039" y="3794502"/>
+            <a:ext cx="258968" cy="339487"/>
+          </a:xfrm>
+          <a:prstGeom prst="bentConnector2">
+            <a:avLst/>
+          </a:prstGeom>
+          <a:ln w="19050">
+            <a:solidFill>
+              <a:schemeClr val="accent6">
+                <a:lumMod val="75000"/>
+              </a:schemeClr>
+            </a:solidFill>
+            <a:headEnd type="none" w="med" len="med"/>
+            <a:tailEnd type="arrow" w="med" len="med"/>
+          </a:ln>
+          <a:effectLst/>
+        </p:spPr>
+        <p:style>
+          <a:lnRef idx="1">
+            <a:schemeClr val="accent2"/>
+          </a:lnRef>
+          <a:fillRef idx="2">
+            <a:schemeClr val="accent2"/>
+          </a:fillRef>
+          <a:effectRef idx="1">
+            <a:schemeClr val="accent2"/>
+          </a:effectRef>
+          <a:fontRef idx="minor">
+            <a:schemeClr val="dk1"/>
+          </a:fontRef>
+        </p:style>
+      </p:cxnSp>
+      <p:sp>
+        <p:nvSpPr>
+          <p:cNvPr id="32" name="Flowchart: Decision 96">
+            <a:extLst>
+              <a:ext uri="{FF2B5EF4-FFF2-40B4-BE49-F238E27FC236}">
+                <a16:creationId xmlns:a16="http://schemas.microsoft.com/office/drawing/2014/main" id="{A92C9BF8-7837-4BE9-A98B-20C4459F098F}"/>
+              </a:ext>
+            </a:extLst>
+          </p:cNvPr>
+          <p:cNvSpPr/>
+          <p:nvPr/>
+        </p:nvSpPr>
+        <p:spPr>
+          <a:xfrm rot="5400000">
+            <a:off x="2112756" y="3630048"/>
+            <a:ext cx="236048" cy="173380"/>
+          </a:xfrm>
+          <a:prstGeom prst="flowChartDecision">
+            <a:avLst/>
+          </a:prstGeom>
+          <a:noFill/>
+          <a:ln w="19050">
+            <a:solidFill>
+              <a:schemeClr val="accent6">
+                <a:lumMod val="75000"/>
+              </a:schemeClr>
+            </a:solidFill>
+          </a:ln>
+          <a:effectLst/>
+        </p:spPr>
+        <p:style>
+          <a:lnRef idx="1">
+            <a:schemeClr val="accent2"/>
+          </a:lnRef>
+          <a:fillRef idx="2">
+            <a:schemeClr val="accent2"/>
+          </a:fillRef>
+          <a:effectRef idx="1">
+            <a:schemeClr val="accent2"/>
+          </a:effectRef>
+          <a:fontRef idx="minor">
+            <a:schemeClr val="dk1"/>
+          </a:fontRef>
+        </p:style>
+        <p:txBody>
+          <a:bodyPr rtlCol="0" anchor="ctr"/>
+          <a:lstStyle/>
+          <a:p>
+            <a:pPr algn="ctr"/>
+            <a:endParaRPr lang="en-US" sz="1050">
+              <a:solidFill>
+                <a:schemeClr val="bg1"/>
+              </a:solidFill>
+            </a:endParaRPr>
+          </a:p>
+        </p:txBody>
+      </p:sp>
+      <p:cxnSp>
+        <p:nvCxnSpPr>
+          <p:cNvPr id="33" name="Elbow Connector 63">
+            <a:extLst>
+              <a:ext uri="{FF2B5EF4-FFF2-40B4-BE49-F238E27FC236}">
+                <a16:creationId xmlns:a16="http://schemas.microsoft.com/office/drawing/2014/main" id="{59EFA5F0-AE9F-4A1A-A01D-8DF694F2D02F}"/>
+              </a:ext>
+            </a:extLst>
+          </p:cNvPr>
+          <p:cNvCxnSpPr>
+            <a:cxnSpLocks/>
+            <a:stCxn id="34" idx="3"/>
+            <a:endCxn id="36" idx="1"/>
+          </p:cNvCxnSpPr>
+          <p:nvPr/>
+        </p:nvCxnSpPr>
+        <p:spPr>
+          <a:xfrm flipV="1">
+            <a:off x="4380944" y="4093730"/>
+            <a:ext cx="182062" cy="1"/>
+          </a:xfrm>
+          <a:prstGeom prst="straightConnector1">
+            <a:avLst/>
+          </a:prstGeom>
+          <a:ln w="19050">
+            <a:solidFill>
+              <a:schemeClr val="accent6">
+                <a:lumMod val="75000"/>
+              </a:schemeClr>
+            </a:solidFill>
+            <a:prstDash val="sysDot"/>
+            <a:headEnd type="none" w="med" len="med"/>
+            <a:tailEnd type="none" w="med" len="med"/>
+          </a:ln>
+          <a:effectLst/>
+        </p:spPr>
+        <p:style>
+          <a:lnRef idx="1">
+            <a:schemeClr val="accent2"/>
+          </a:lnRef>
+          <a:fillRef idx="2">
+            <a:schemeClr val="accent2"/>
+          </a:fillRef>
+          <a:effectRef idx="1">
+            <a:schemeClr val="accent2"/>
+          </a:effectRef>
+          <a:fontRef idx="minor">
+            <a:schemeClr val="dk1"/>
+          </a:fontRef>
+        </p:style>
+      </p:cxnSp>
+      <p:sp>
+        <p:nvSpPr>
+          <p:cNvPr id="34" name="Isosceles Triangle 102">
+            <a:extLst>
+              <a:ext uri="{FF2B5EF4-FFF2-40B4-BE49-F238E27FC236}">
+                <a16:creationId xmlns:a16="http://schemas.microsoft.com/office/drawing/2014/main" id="{66A05D5B-9BD0-40CC-8B9F-25166740F201}"/>
+              </a:ext>
+            </a:extLst>
+          </p:cNvPr>
+          <p:cNvSpPr/>
+          <p:nvPr/>
+        </p:nvSpPr>
+        <p:spPr>
+          <a:xfrm rot="5400000" flipV="1">
+            <a:off x="4157930" y="4005969"/>
+            <a:ext cx="270504" cy="175523"/>
+          </a:xfrm>
+          <a:prstGeom prst="triangle">
+            <a:avLst/>
+          </a:prstGeom>
+          <a:solidFill>
+            <a:schemeClr val="accent6">
+              <a:lumMod val="75000"/>
+            </a:schemeClr>
+          </a:solidFill>
+          <a:ln w="19050">
+            <a:solidFill>
+              <a:schemeClr val="accent6">
+                <a:lumMod val="75000"/>
+              </a:schemeClr>
+            </a:solidFill>
+          </a:ln>
+          <a:effectLst/>
+        </p:spPr>
+        <p:style>
+          <a:lnRef idx="1">
+            <a:schemeClr val="accent2"/>
+          </a:lnRef>
+          <a:fillRef idx="2">
+            <a:schemeClr val="accent2"/>
+          </a:fillRef>
+          <a:effectRef idx="1">
+            <a:schemeClr val="accent2"/>
+          </a:effectRef>
+          <a:fontRef idx="minor">
+            <a:schemeClr val="dk1"/>
+          </a:fontRef>
+        </p:style>
+        <p:txBody>
+          <a:bodyPr rtlCol="0" anchor="ctr"/>
+          <a:lstStyle/>
+          <a:p>
+            <a:pPr algn="ctr"/>
+            <a:endParaRPr lang="en-SG" sz="1050">
+              <a:solidFill>
+                <a:schemeClr val="bg1"/>
+              </a:solidFill>
+            </a:endParaRPr>
+          </a:p>
+        </p:txBody>
+      </p:sp>
+      <p:cxnSp>
+        <p:nvCxnSpPr>
+          <p:cNvPr id="35" name="Elbow Connector 122">
+            <a:extLst>
+              <a:ext uri="{FF2B5EF4-FFF2-40B4-BE49-F238E27FC236}">
+                <a16:creationId xmlns:a16="http://schemas.microsoft.com/office/drawing/2014/main" id="{88A79698-7AD7-412F-9859-EEEAA6D509BA}"/>
+              </a:ext>
+            </a:extLst>
+          </p:cNvPr>
+          <p:cNvCxnSpPr>
+            <a:cxnSpLocks/>
+            <a:stCxn id="36" idx="3"/>
+            <a:endCxn id="37" idx="1"/>
+          </p:cNvCxnSpPr>
+          <p:nvPr/>
+        </p:nvCxnSpPr>
+        <p:spPr>
+          <a:xfrm flipV="1">
+            <a:off x="6130628" y="4093729"/>
+            <a:ext cx="337599" cy="1"/>
+          </a:xfrm>
+          <a:prstGeom prst="straightConnector1">
+            <a:avLst/>
+          </a:prstGeom>
+          <a:ln w="19050">
+            <a:solidFill>
+              <a:schemeClr val="accent6">
+                <a:lumMod val="75000"/>
+              </a:schemeClr>
+            </a:solidFill>
+            <a:prstDash val="sysDot"/>
+            <a:headEnd type="none" w="med" len="med"/>
+            <a:tailEnd type="arrow" w="med" len="med"/>
+          </a:ln>
+          <a:effectLst/>
+        </p:spPr>
+        <p:style>
+          <a:lnRef idx="1">
+            <a:schemeClr val="accent2"/>
+          </a:lnRef>
+          <a:fillRef idx="2">
+            <a:schemeClr val="accent2"/>
+          </a:fillRef>
+          <a:effectRef idx="1">
+            <a:schemeClr val="accent2"/>
+          </a:effectRef>
+          <a:fontRef idx="minor">
+            <a:schemeClr val="dk1"/>
+          </a:fontRef>
+        </p:style>
+      </p:cxnSp>
+      <p:sp>
+        <p:nvSpPr>
+          <p:cNvPr id="36" name="Rectangle 8">
+            <a:extLst>
+              <a:ext uri="{FF2B5EF4-FFF2-40B4-BE49-F238E27FC236}">
+                <a16:creationId xmlns:a16="http://schemas.microsoft.com/office/drawing/2014/main" id="{6F87D23E-E351-4BB8-BF16-A92C270EDBFA}"/>
+              </a:ext>
+            </a:extLst>
+          </p:cNvPr>
+          <p:cNvSpPr/>
+          <p:nvPr/>
+        </p:nvSpPr>
+        <p:spPr>
+          <a:xfrm>
+            <a:off x="4563006" y="3874112"/>
+            <a:ext cx="1567622" cy="439235"/>
+          </a:xfrm>
+          <a:prstGeom prst="rect">
+            <a:avLst/>
+          </a:prstGeom>
+          <a:ln w="19050"/>
+          <a:effectLst/>
+        </p:spPr>
+        <p:style>
+          <a:lnRef idx="1">
+            <a:schemeClr val="accent6"/>
+          </a:lnRef>
+          <a:fillRef idx="2">
+            <a:schemeClr val="accent6"/>
+          </a:fillRef>
+          <a:effectRef idx="1">
+            <a:schemeClr val="accent6"/>
+          </a:effectRef>
+          <a:fontRef idx="minor">
+            <a:schemeClr val="dk1"/>
+          </a:fontRef>
+        </p:style>
+        <p:txBody>
+          <a:bodyPr rtlCol="0" anchor="ctr"/>
+          <a:lstStyle/>
+          <a:p>
+            <a:pPr algn="ctr"/>
+            <a:r>
+              <a:rPr lang="en-US" sz="1050" b="1" dirty="0" err="1">
+                <a:solidFill>
+                  <a:schemeClr val="accent6">
+                    <a:lumMod val="75000"/>
+                  </a:schemeClr>
+                </a:solidFill>
+              </a:rPr>
+              <a:t>XmlCalendarManager</a:t>
+            </a:r>
+            <a:br>
+              <a:rPr lang="en-US" sz="1050" b="1" dirty="0">
+                <a:solidFill>
+                  <a:schemeClr val="accent6">
+                    <a:lumMod val="75000"/>
+                  </a:schemeClr>
+                </a:solidFill>
+              </a:rPr>
+            </a:br>
+            <a:r>
+              <a:rPr lang="en-US" sz="1050" b="1" dirty="0">
+                <a:solidFill>
+                  <a:schemeClr val="accent6">
+                    <a:lumMod val="75000"/>
+                  </a:schemeClr>
+                </a:solidFill>
+              </a:rPr>
+              <a:t>Storage</a:t>
+            </a:r>
+            <a:endParaRPr lang="en-SG" sz="1050" b="1" dirty="0">
+              <a:solidFill>
+                <a:schemeClr val="accent6">
+                  <a:lumMod val="75000"/>
+                </a:schemeClr>
+              </a:solidFill>
+            </a:endParaRPr>
+          </a:p>
+        </p:txBody>
+      </p:sp>
+      <p:sp>
+        <p:nvSpPr>
+          <p:cNvPr id="37" name="Rectangle 8">
+            <a:extLst>
+              <a:ext uri="{FF2B5EF4-FFF2-40B4-BE49-F238E27FC236}">
+                <a16:creationId xmlns:a16="http://schemas.microsoft.com/office/drawing/2014/main" id="{24B72BF1-20A3-49FA-88DD-E84EAF92F7F8}"/>
+              </a:ext>
+            </a:extLst>
+          </p:cNvPr>
+          <p:cNvSpPr/>
+          <p:nvPr/>
+        </p:nvSpPr>
+        <p:spPr>
+          <a:xfrm>
+            <a:off x="6468227" y="3920349"/>
+            <a:ext cx="1200707" cy="346760"/>
+          </a:xfrm>
+          <a:prstGeom prst="rect">
+            <a:avLst/>
+          </a:prstGeom>
+          <a:ln w="19050"/>
+          <a:effectLst/>
+        </p:spPr>
+        <p:style>
+          <a:lnRef idx="1">
+            <a:schemeClr val="accent6"/>
+          </a:lnRef>
+          <a:fillRef idx="2">
+            <a:schemeClr val="accent6"/>
+          </a:fillRef>
+          <a:effectRef idx="1">
+            <a:schemeClr val="accent6"/>
+          </a:effectRef>
+          <a:fontRef idx="minor">
+            <a:schemeClr val="dk1"/>
+          </a:fontRef>
+        </p:style>
+        <p:txBody>
+          <a:bodyPr rtlCol="0" anchor="ctr"/>
+          <a:lstStyle/>
+          <a:p>
+            <a:pPr algn="ctr"/>
+            <a:r>
+              <a:rPr lang="en-US" sz="1050" b="1" dirty="0" err="1">
+                <a:solidFill>
+                  <a:schemeClr val="accent6">
+                    <a:lumMod val="75000"/>
+                  </a:schemeClr>
+                </a:solidFill>
+              </a:rPr>
+              <a:t>XmlSerializable</a:t>
+            </a:r>
+            <a:br>
+              <a:rPr lang="en-US" sz="1050" b="1" dirty="0">
+                <a:solidFill>
+                  <a:schemeClr val="accent6">
+                    <a:lumMod val="75000"/>
+                  </a:schemeClr>
+                </a:solidFill>
+              </a:rPr>
+            </a:br>
+            <a:r>
+              <a:rPr lang="en-US" sz="1050" b="1" dirty="0" err="1">
+                <a:solidFill>
+                  <a:schemeClr val="accent6">
+                    <a:lumMod val="75000"/>
+                  </a:schemeClr>
+                </a:solidFill>
+              </a:rPr>
+              <a:t>CalendarManager</a:t>
+            </a:r>
+            <a:endParaRPr lang="en-SG" sz="1050" b="1" dirty="0">
+              <a:solidFill>
+                <a:schemeClr val="accent6">
+                  <a:lumMod val="75000"/>
+                </a:schemeClr>
+              </a:solidFill>
+            </a:endParaRPr>
+          </a:p>
+        </p:txBody>
+      </p:sp>
+      <p:sp>
+        <p:nvSpPr>
+          <p:cNvPr id="38" name="Rectangle 8">
+            <a:extLst>
+              <a:ext uri="{FF2B5EF4-FFF2-40B4-BE49-F238E27FC236}">
+                <a16:creationId xmlns:a16="http://schemas.microsoft.com/office/drawing/2014/main" id="{599833F9-992F-4EB3-B088-0D937C240377}"/>
+              </a:ext>
+            </a:extLst>
+          </p:cNvPr>
+          <p:cNvSpPr/>
+          <p:nvPr/>
+        </p:nvSpPr>
+        <p:spPr>
+          <a:xfrm>
+            <a:off x="7884282" y="3903996"/>
+            <a:ext cx="1412118" cy="346760"/>
+          </a:xfrm>
+          <a:prstGeom prst="rect">
+            <a:avLst/>
+          </a:prstGeom>
+          <a:ln w="19050"/>
+          <a:effectLst/>
+        </p:spPr>
+        <p:style>
+          <a:lnRef idx="1">
+            <a:schemeClr val="accent6"/>
+          </a:lnRef>
+          <a:fillRef idx="2">
+            <a:schemeClr val="accent6"/>
+          </a:fillRef>
+          <a:effectRef idx="1">
+            <a:schemeClr val="accent6"/>
+          </a:effectRef>
+          <a:fontRef idx="minor">
+            <a:schemeClr val="dk1"/>
+          </a:fontRef>
+        </p:style>
+        <p:txBody>
+          <a:bodyPr rtlCol="0" anchor="ctr"/>
+          <a:lstStyle/>
+          <a:p>
+            <a:pPr algn="ctr"/>
+            <a:r>
+              <a:rPr lang="en-US" sz="1050" b="1" dirty="0" err="1">
+                <a:solidFill>
+                  <a:schemeClr val="accent6">
+                    <a:lumMod val="75000"/>
+                  </a:schemeClr>
+                </a:solidFill>
+              </a:rPr>
+              <a:t>XmlAdaptedCalendarEntry</a:t>
+            </a:r>
+            <a:endParaRPr lang="en-SG" sz="1050" b="1" dirty="0">
+              <a:solidFill>
+                <a:schemeClr val="accent6">
+                  <a:lumMod val="75000"/>
+                </a:schemeClr>
+              </a:solidFill>
+            </a:endParaRPr>
+          </a:p>
+        </p:txBody>
+      </p:sp>
+      <p:cxnSp>
+        <p:nvCxnSpPr>
+          <p:cNvPr id="39" name="Elbow Connector 122">
+            <a:extLst>
+              <a:ext uri="{FF2B5EF4-FFF2-40B4-BE49-F238E27FC236}">
+                <a16:creationId xmlns:a16="http://schemas.microsoft.com/office/drawing/2014/main" id="{2C01A1B1-D64C-4238-98FB-B7783980C186}"/>
+              </a:ext>
+            </a:extLst>
+          </p:cNvPr>
+          <p:cNvCxnSpPr>
+            <a:cxnSpLocks/>
+            <a:stCxn id="37" idx="3"/>
+            <a:endCxn id="38" idx="1"/>
+          </p:cNvCxnSpPr>
+          <p:nvPr/>
+        </p:nvCxnSpPr>
+        <p:spPr>
+          <a:xfrm flipV="1">
+            <a:off x="7668934" y="4077376"/>
+            <a:ext cx="215348" cy="16353"/>
           </a:xfrm>
           <a:prstGeom prst="bentConnector3">
             <a:avLst>
@@ -4843,13 +5543,6 @@
   <p:clrMapOvr>
     <a:masterClrMapping/>
   </p:clrMapOvr>
-  <p:timing>
-    <p:tnLst>
-      <p:par>
-        <p:cTn id="1" dur="indefinite" restart="never" nodeType="tmRoot"/>
-      </p:par>
-    </p:tnLst>
-  </p:timing>
 </p:sld>
 </file>
 
